--- a/PPT/5 Redirection & Piping.pptx
+++ b/PPT/5 Redirection & Piping.pptx
@@ -130,7 +130,7 @@
   </p:defaultTextStyle>
   <p:extLst>
     <p:ext uri="{EFAFB233-063F-42B5-8137-9DF3F51BA10A}">
-      <p15:sldGuideLst xmlns:p15="http://schemas.microsoft.com/office/powerpoint/2012/main"/>
+      <p15:sldGuideLst xmlns:p15="http://schemas.microsoft.com/office/powerpoint/2012/main" xmlns=""/>
     </p:ext>
   </p:extLst>
 </p:presentation>
@@ -218,7 +218,7 @@
           <a:p>
             <a:fld id="{00C1DF01-E9E9-4B0D-8D31-8F1887D834E2}" type="datetimeFigureOut">
               <a:rPr lang="zh-CN" altLang="en-US" smtClean="0"/>
-              <a:t>2017/8/31</a:t>
+              <a:t>2017/9/7</a:t>
             </a:fld>
             <a:endParaRPr lang="zh-CN" altLang="en-US"/>
           </a:p>
@@ -1490,7 +1490,7 @@
             <a:fld id="{B61BEF0D-F0BB-DE4B-95CE-6DB70DBA9567}" type="datetimeFigureOut">
               <a:rPr lang="en-US" dirty="0"/>
               <a:pPr/>
-              <a:t>8/31/2017</a:t>
+              <a:t>9/7/2017</a:t>
             </a:fld>
             <a:endParaRPr lang="en-US" dirty="0"/>
           </a:p>
@@ -1715,7 +1715,7 @@
             <a:fld id="{B61BEF0D-F0BB-DE4B-95CE-6DB70DBA9567}" type="datetimeFigureOut">
               <a:rPr lang="en-US" dirty="0"/>
               <a:pPr/>
-              <a:t>8/31/2017</a:t>
+              <a:t>9/7/2017</a:t>
             </a:fld>
             <a:endParaRPr lang="en-US" dirty="0"/>
           </a:p>
@@ -2069,7 +2069,7 @@
             <a:fld id="{B61BEF0D-F0BB-DE4B-95CE-6DB70DBA9567}" type="datetimeFigureOut">
               <a:rPr lang="en-US" dirty="0"/>
               <a:pPr/>
-              <a:t>8/31/2017</a:t>
+              <a:t>9/7/2017</a:t>
             </a:fld>
             <a:endParaRPr lang="en-US" dirty="0"/>
           </a:p>
@@ -2486,7 +2486,7 @@
             <a:fld id="{B61BEF0D-F0BB-DE4B-95CE-6DB70DBA9567}" type="datetimeFigureOut">
               <a:rPr lang="en-US" dirty="0"/>
               <a:pPr/>
-              <a:t>8/31/2017</a:t>
+              <a:t>9/7/2017</a:t>
             </a:fld>
             <a:endParaRPr lang="en-US" dirty="0"/>
           </a:p>
@@ -2838,7 +2838,7 @@
             <a:fld id="{B61BEF0D-F0BB-DE4B-95CE-6DB70DBA9567}" type="datetimeFigureOut">
               <a:rPr lang="en-US" dirty="0"/>
               <a:pPr/>
-              <a:t>8/31/2017</a:t>
+              <a:t>9/7/2017</a:t>
             </a:fld>
             <a:endParaRPr lang="en-US" dirty="0"/>
           </a:p>
@@ -3174,7 +3174,7 @@
             <a:fld id="{B61BEF0D-F0BB-DE4B-95CE-6DB70DBA9567}" type="datetimeFigureOut">
               <a:rPr lang="en-US" dirty="0"/>
               <a:pPr/>
-              <a:t>8/31/2017</a:t>
+              <a:t>9/7/2017</a:t>
             </a:fld>
             <a:endParaRPr lang="en-US" dirty="0"/>
           </a:p>
@@ -3586,7 +3586,7 @@
             <a:fld id="{B61BEF0D-F0BB-DE4B-95CE-6DB70DBA9567}" type="datetimeFigureOut">
               <a:rPr lang="en-US" dirty="0"/>
               <a:pPr/>
-              <a:t>8/31/2017</a:t>
+              <a:t>9/7/2017</a:t>
             </a:fld>
             <a:endParaRPr lang="en-US" dirty="0"/>
           </a:p>
@@ -3859,7 +3859,7 @@
             <a:fld id="{B61BEF0D-F0BB-DE4B-95CE-6DB70DBA9567}" type="datetimeFigureOut">
               <a:rPr lang="en-US" dirty="0"/>
               <a:pPr/>
-              <a:t>8/31/2017</a:t>
+              <a:t>9/7/2017</a:t>
             </a:fld>
             <a:endParaRPr lang="en-US" dirty="0"/>
           </a:p>
@@ -4142,7 +4142,7 @@
             <a:fld id="{B61BEF0D-F0BB-DE4B-95CE-6DB70DBA9567}" type="datetimeFigureOut">
               <a:rPr lang="en-US" dirty="0"/>
               <a:pPr/>
-              <a:t>8/31/2017</a:t>
+              <a:t>9/7/2017</a:t>
             </a:fld>
             <a:endParaRPr lang="en-US" dirty="0"/>
           </a:p>
@@ -4721,7 +4721,7 @@
             <a:fld id="{B61BEF0D-F0BB-DE4B-95CE-6DB70DBA9567}" type="datetimeFigureOut">
               <a:rPr lang="en-US" dirty="0"/>
               <a:pPr/>
-              <a:t>8/31/2017</a:t>
+              <a:t>9/7/2017</a:t>
             </a:fld>
             <a:endParaRPr lang="en-US" dirty="0"/>
           </a:p>
@@ -5060,7 +5060,7 @@
             <a:fld id="{B61BEF0D-F0BB-DE4B-95CE-6DB70DBA9567}" type="datetimeFigureOut">
               <a:rPr lang="en-US" dirty="0"/>
               <a:pPr/>
-              <a:t>8/31/2017</a:t>
+              <a:t>9/7/2017</a:t>
             </a:fld>
             <a:endParaRPr lang="en-US" dirty="0"/>
           </a:p>
@@ -5533,7 +5533,7 @@
             <a:fld id="{B61BEF0D-F0BB-DE4B-95CE-6DB70DBA9567}" type="datetimeFigureOut">
               <a:rPr lang="en-US" dirty="0"/>
               <a:pPr/>
-              <a:t>8/31/2017</a:t>
+              <a:t>9/7/2017</a:t>
             </a:fld>
             <a:endParaRPr lang="en-US" dirty="0"/>
           </a:p>
@@ -5754,7 +5754,7 @@
             <a:fld id="{B61BEF0D-F0BB-DE4B-95CE-6DB70DBA9567}" type="datetimeFigureOut">
               <a:rPr lang="en-US" dirty="0"/>
               <a:pPr/>
-              <a:t>8/31/2017</a:t>
+              <a:t>9/7/2017</a:t>
             </a:fld>
             <a:endParaRPr lang="en-US" dirty="0"/>
           </a:p>
@@ -5952,7 +5952,7 @@
             <a:fld id="{B61BEF0D-F0BB-DE4B-95CE-6DB70DBA9567}" type="datetimeFigureOut">
               <a:rPr lang="en-US" dirty="0"/>
               <a:pPr/>
-              <a:t>8/31/2017</a:t>
+              <a:t>9/7/2017</a:t>
             </a:fld>
             <a:endParaRPr lang="en-US" dirty="0"/>
           </a:p>
@@ -6306,7 +6306,7 @@
             <a:fld id="{B61BEF0D-F0BB-DE4B-95CE-6DB70DBA9567}" type="datetimeFigureOut">
               <a:rPr lang="en-US" dirty="0"/>
               <a:pPr/>
-              <a:t>8/31/2017</a:t>
+              <a:t>9/7/2017</a:t>
             </a:fld>
             <a:endParaRPr lang="en-US" dirty="0"/>
           </a:p>
@@ -20071,27 +20071,27 @@
             </a:r>
             <a:r>
               <a:rPr lang="en-US" altLang="zh-CN" dirty="0" smtClean="0"/>
-              <a:t>echo –e  1 apple  </a:t>
-            </a:r>
-            <a:r>
-              <a:rPr lang="en-US" altLang="zh-CN" dirty="0" smtClean="0">
+              <a:t>echo –e  1 </a:t>
+            </a:r>
+            <a:r>
+              <a:rPr lang="en-US" altLang="zh-CN" smtClean="0"/>
+              <a:t>apple  </a:t>
+            </a:r>
+            <a:r>
+              <a:rPr lang="en-US" altLang="zh-CN" smtClean="0"/>
+              <a:t>2 </a:t>
+            </a:r>
+            <a:r>
+              <a:rPr lang="en-US" altLang="zh-CN" smtClean="0"/>
+              <a:t>pear </a:t>
+            </a:r>
+            <a:r>
+              <a:rPr lang="en-US" altLang="zh-CN" smtClean="0">
                 <a:solidFill>
                   <a:srgbClr val="FF0000"/>
                 </a:solidFill>
               </a:rPr>
-              <a:t>\n</a:t>
-            </a:r>
-            <a:r>
-              <a:rPr lang="en-US" altLang="zh-CN" dirty="0" smtClean="0"/>
-              <a:t> 2 pear </a:t>
-            </a:r>
-            <a:r>
-              <a:rPr lang="en-US" altLang="zh-CN" dirty="0" smtClean="0">
-                <a:solidFill>
-                  <a:srgbClr val="FF0000"/>
-                </a:solidFill>
-              </a:rPr>
-              <a:t>\n </a:t>
+              <a:t> </a:t>
             </a:r>
             <a:r>
               <a:rPr lang="en-US" altLang="zh-CN" dirty="0" smtClean="0">
@@ -20133,34 +20133,6 @@
               <a:t>代表输出转义字符</a:t>
             </a:r>
             <a:endParaRPr lang="en-US" altLang="zh-CN" dirty="0" smtClean="0"/>
-          </a:p>
-          <a:p>
-            <a:pPr lvl="1"/>
-            <a:r>
-              <a:rPr lang="en-US" altLang="zh-CN" dirty="0" smtClean="0"/>
-              <a:t>-</a:t>
-            </a:r>
-            <a:r>
-              <a:rPr lang="en-US" altLang="zh-CN" dirty="0" smtClean="0">
-                <a:solidFill>
-                  <a:srgbClr val="FF0000"/>
-                </a:solidFill>
-              </a:rPr>
-              <a:t>N   </a:t>
-            </a:r>
-            <a:r>
-              <a:rPr lang="zh-CN" altLang="en-US" dirty="0" smtClean="0">
-                <a:solidFill>
-                  <a:srgbClr val="FF0000"/>
-                </a:solidFill>
-              </a:rPr>
-              <a:t>代表输出回车换行键（有问题）</a:t>
-            </a:r>
-            <a:endParaRPr lang="en-US" altLang="zh-CN" dirty="0" smtClean="0">
-              <a:solidFill>
-                <a:srgbClr val="FF0000"/>
-              </a:solidFill>
-            </a:endParaRPr>
           </a:p>
           <a:p>
             <a:pPr lvl="1"/>
@@ -21075,7 +21047,7 @@
         <a:sysClr val="windowText" lastClr="000000"/>
       </a:dk1>
       <a:lt1>
-        <a:sysClr val="window" lastClr="FFFFFF"/>
+        <a:sysClr val="window" lastClr="CCE8CF"/>
       </a:lt1>
       <a:dk2>
         <a:srgbClr val="766F54"/>
@@ -21304,7 +21276,7 @@
   <a:extraClrSchemeLst/>
   <a:extLst>
     <a:ext uri="{05A4C25C-085E-4340-85A3-A5531E510DB2}">
-      <thm15:themeFamily xmlns:thm15="http://schemas.microsoft.com/office/thememl/2012/main" name="Wisp" id="{7CB32D59-10C0-40DD-B7BD-2E94284A981C}" vid="{24B1A44C-C006-48B2-A4D7-E5549B3D8CD4}"/>
+      <thm15:themeFamily xmlns:thm15="http://schemas.microsoft.com/office/thememl/2012/main" xmlns="" name="Wisp" id="{7CB32D59-10C0-40DD-B7BD-2E94284A981C}" vid="{24B1A44C-C006-48B2-A4D7-E5549B3D8CD4}"/>
     </a:ext>
   </a:extLst>
 </a:theme>
@@ -21318,7 +21290,7 @@
         <a:sysClr val="windowText" lastClr="000000"/>
       </a:dk1>
       <a:lt1>
-        <a:sysClr val="window" lastClr="FFFFFF"/>
+        <a:sysClr val="window" lastClr="CCE8CF"/>
       </a:lt1>
       <a:dk2>
         <a:srgbClr val="44546A"/>
@@ -21565,7 +21537,7 @@
   <a:extraClrSchemeLst/>
   <a:extLst>
     <a:ext uri="{05A4C25C-085E-4340-85A3-A5531E510DB2}">
-      <thm15:themeFamily xmlns:thm15="http://schemas.microsoft.com/office/thememl/2012/main" name="Office Theme" id="{62F939B6-93AF-4DB8-9C6B-D6C7DFDC589F}" vid="{4A3C46E8-61CC-4603-A589-7422A47A8E4A}"/>
+      <thm15:themeFamily xmlns:thm15="http://schemas.microsoft.com/office/thememl/2012/main" xmlns="" name="Office Theme" id="{62F939B6-93AF-4DB8-9C6B-D6C7DFDC589F}" vid="{4A3C46E8-61CC-4603-A589-7422A47A8E4A}"/>
     </a:ext>
   </a:extLst>
 </a:theme>

--- a/PPT/5 Redirection & Piping.pptx
+++ b/PPT/5 Redirection & Piping.pptx
@@ -130,7 +130,7 @@
   </p:defaultTextStyle>
   <p:extLst>
     <p:ext uri="{EFAFB233-063F-42B5-8137-9DF3F51BA10A}">
-      <p15:sldGuideLst xmlns:p15="http://schemas.microsoft.com/office/powerpoint/2012/main" xmlns=""/>
+      <p15:sldGuideLst xmlns:p15="http://schemas.microsoft.com/office/powerpoint/2012/main"/>
     </p:ext>
   </p:extLst>
 </p:presentation>
@@ -983,8 +983,19 @@
           <a:lstStyle/>
           <a:p>
             <a:r>
+              <a:rPr lang="zh-CN" altLang="en-US" dirty="0" smtClean="0"/>
+              <a:t>使用输出重定向创建文本文件。</a:t>
+            </a:r>
+            <a:endParaRPr lang="en-US" altLang="zh-CN" dirty="0" smtClean="0"/>
+          </a:p>
+          <a:p>
+            <a:r>
               <a:rPr lang="en-US" altLang="zh-CN" dirty="0" smtClean="0"/>
-              <a:t>\n</a:t>
+              <a:t>\</a:t>
+            </a:r>
+            <a:r>
+              <a:rPr lang="en-US" altLang="zh-CN" dirty="0" smtClean="0"/>
+              <a:t>n</a:t>
             </a:r>
             <a:r>
               <a:rPr lang="en-US" altLang="zh-CN" baseline="0" dirty="0" smtClean="0"/>
@@ -1082,6 +1093,94 @@
           <a:bodyPr/>
           <a:lstStyle/>
           <a:p>
+            <a:r>
+              <a:rPr lang="zh-CN" altLang="en-US" dirty="0" smtClean="0"/>
+              <a:t>使用输出重定向删除文件</a:t>
+            </a:r>
+            <a:endParaRPr lang="zh-CN" altLang="en-US" dirty="0"/>
+          </a:p>
+        </p:txBody>
+      </p:sp>
+      <p:sp>
+        <p:nvSpPr>
+          <p:cNvPr id="4" name="灯片编号占位符 3"/>
+          <p:cNvSpPr>
+            <a:spLocks noGrp="1"/>
+          </p:cNvSpPr>
+          <p:nvPr>
+            <p:ph type="sldNum" sz="quarter" idx="10"/>
+          </p:nvPr>
+        </p:nvSpPr>
+        <p:spPr/>
+        <p:txBody>
+          <a:bodyPr/>
+          <a:lstStyle/>
+          <a:p>
+            <a:fld id="{F120303F-C514-4A94-9AD4-87C2E815A9CA}" type="slidenum">
+              <a:rPr lang="zh-CN" altLang="en-US" smtClean="0"/>
+              <a:t>9</a:t>
+            </a:fld>
+            <a:endParaRPr lang="zh-CN" altLang="en-US"/>
+          </a:p>
+        </p:txBody>
+      </p:sp>
+    </p:spTree>
+    <p:extLst>
+      <p:ext uri="{BB962C8B-B14F-4D97-AF65-F5344CB8AC3E}">
+        <p14:creationId xmlns:p14="http://schemas.microsoft.com/office/powerpoint/2010/main" val="2997228845"/>
+      </p:ext>
+    </p:extLst>
+  </p:cSld>
+  <p:clrMapOvr>
+    <a:masterClrMapping/>
+  </p:clrMapOvr>
+</p:notes>
+</file>
+
+<file path=ppt/notesSlides/notesSlide6.xml><?xml version="1.0" encoding="utf-8"?>
+<p:notes xmlns:a="http://schemas.openxmlformats.org/drawingml/2006/main" xmlns:r="http://schemas.openxmlformats.org/officeDocument/2006/relationships" xmlns:p="http://schemas.openxmlformats.org/presentationml/2006/main">
+  <p:cSld>
+    <p:spTree>
+      <p:nvGrpSpPr>
+        <p:cNvPr id="1" name=""/>
+        <p:cNvGrpSpPr/>
+        <p:nvPr/>
+      </p:nvGrpSpPr>
+      <p:grpSpPr>
+        <a:xfrm>
+          <a:off x="0" y="0"/>
+          <a:ext cx="0" cy="0"/>
+          <a:chOff x="0" y="0"/>
+          <a:chExt cx="0" cy="0"/>
+        </a:xfrm>
+      </p:grpSpPr>
+      <p:sp>
+        <p:nvSpPr>
+          <p:cNvPr id="2" name="幻灯片图像占位符 1"/>
+          <p:cNvSpPr>
+            <a:spLocks noGrp="1" noRot="1" noChangeAspect="1"/>
+          </p:cNvSpPr>
+          <p:nvPr>
+            <p:ph type="sldImg"/>
+          </p:nvPr>
+        </p:nvSpPr>
+        <p:spPr/>
+      </p:sp>
+      <p:sp>
+        <p:nvSpPr>
+          <p:cNvPr id="3" name="备注占位符 2"/>
+          <p:cNvSpPr>
+            <a:spLocks noGrp="1"/>
+          </p:cNvSpPr>
+          <p:nvPr>
+            <p:ph type="body" idx="1"/>
+          </p:nvPr>
+        </p:nvSpPr>
+        <p:spPr/>
+        <p:txBody>
+          <a:bodyPr/>
+          <a:lstStyle/>
+          <a:p>
             <a:pPr marL="0" marR="0" lvl="0" indent="0" algn="l" defTabSz="914400" rtl="0" eaLnBrk="1" fontAlgn="auto" latinLnBrk="0" hangingPunct="1">
               <a:lnSpc>
                 <a:spcPct val="100000"/>
@@ -1185,7 +1284,91 @@
 </p:notes>
 </file>
 
-<file path=ppt/notesSlides/notesSlide6.xml><?xml version="1.0" encoding="utf-8"?>
+<file path=ppt/notesSlides/notesSlide7.xml><?xml version="1.0" encoding="utf-8"?>
+<p:notes xmlns:a="http://schemas.openxmlformats.org/drawingml/2006/main" xmlns:r="http://schemas.openxmlformats.org/officeDocument/2006/relationships" xmlns:p="http://schemas.openxmlformats.org/presentationml/2006/main">
+  <p:cSld>
+    <p:spTree>
+      <p:nvGrpSpPr>
+        <p:cNvPr id="1" name=""/>
+        <p:cNvGrpSpPr/>
+        <p:nvPr/>
+      </p:nvGrpSpPr>
+      <p:grpSpPr>
+        <a:xfrm>
+          <a:off x="0" y="0"/>
+          <a:ext cx="0" cy="0"/>
+          <a:chOff x="0" y="0"/>
+          <a:chExt cx="0" cy="0"/>
+        </a:xfrm>
+      </p:grpSpPr>
+      <p:sp>
+        <p:nvSpPr>
+          <p:cNvPr id="2" name="幻灯片图像占位符 1"/>
+          <p:cNvSpPr>
+            <a:spLocks noGrp="1" noRot="1" noChangeAspect="1"/>
+          </p:cNvSpPr>
+          <p:nvPr>
+            <p:ph type="sldImg"/>
+          </p:nvPr>
+        </p:nvSpPr>
+        <p:spPr/>
+      </p:sp>
+      <p:sp>
+        <p:nvSpPr>
+          <p:cNvPr id="3" name="备注占位符 2"/>
+          <p:cNvSpPr>
+            <a:spLocks noGrp="1"/>
+          </p:cNvSpPr>
+          <p:nvPr>
+            <p:ph type="body" idx="1"/>
+          </p:nvPr>
+        </p:nvSpPr>
+        <p:spPr/>
+        <p:txBody>
+          <a:bodyPr/>
+          <a:lstStyle/>
+          <a:p>
+            <a:endParaRPr lang="zh-CN" altLang="en-US" dirty="0"/>
+          </a:p>
+        </p:txBody>
+      </p:sp>
+      <p:sp>
+        <p:nvSpPr>
+          <p:cNvPr id="4" name="灯片编号占位符 3"/>
+          <p:cNvSpPr>
+            <a:spLocks noGrp="1"/>
+          </p:cNvSpPr>
+          <p:nvPr>
+            <p:ph type="sldNum" sz="quarter" idx="10"/>
+          </p:nvPr>
+        </p:nvSpPr>
+        <p:spPr/>
+        <p:txBody>
+          <a:bodyPr/>
+          <a:lstStyle/>
+          <a:p>
+            <a:fld id="{F120303F-C514-4A94-9AD4-87C2E815A9CA}" type="slidenum">
+              <a:rPr lang="zh-CN" altLang="en-US" smtClean="0"/>
+              <a:t>17</a:t>
+            </a:fld>
+            <a:endParaRPr lang="zh-CN" altLang="en-US"/>
+          </a:p>
+        </p:txBody>
+      </p:sp>
+    </p:spTree>
+    <p:extLst>
+      <p:ext uri="{BB962C8B-B14F-4D97-AF65-F5344CB8AC3E}">
+        <p14:creationId xmlns:p14="http://schemas.microsoft.com/office/powerpoint/2010/main" val="2970198087"/>
+      </p:ext>
+    </p:extLst>
+  </p:cSld>
+  <p:clrMapOvr>
+    <a:masterClrMapping/>
+  </p:clrMapOvr>
+</p:notes>
+</file>
+
+<file path=ppt/notesSlides/notesSlide8.xml><?xml version="1.0" encoding="utf-8"?>
 <p:notes xmlns:a="http://schemas.openxmlformats.org/drawingml/2006/main" xmlns:r="http://schemas.openxmlformats.org/officeDocument/2006/relationships" xmlns:p="http://schemas.openxmlformats.org/presentationml/2006/main">
   <p:cSld>
     <p:spTree>
@@ -10347,16 +10530,32 @@
             <p:ph idx="1"/>
           </p:nvPr>
         </p:nvSpPr>
-        <p:spPr/>
+        <p:spPr>
+          <a:xfrm>
+            <a:off x="732472" y="1112520"/>
+            <a:ext cx="10631488" cy="5471160"/>
+          </a:xfrm>
+        </p:spPr>
         <p:txBody>
           <a:bodyPr>
-            <a:normAutofit lnSpcReduction="10000"/>
+            <a:normAutofit fontScale="92500" lnSpcReduction="10000"/>
           </a:bodyPr>
           <a:lstStyle/>
           <a:p>
             <a:r>
               <a:rPr lang="zh-CN" altLang="en-US" dirty="0" smtClean="0"/>
-              <a:t>例：</a:t>
+              <a:t>需求：对文档内容按第二列关键字进行排序</a:t>
+            </a:r>
+            <a:endParaRPr lang="en-US" altLang="zh-CN" dirty="0" smtClean="0"/>
+          </a:p>
+          <a:p>
+            <a:r>
+              <a:rPr lang="zh-CN" altLang="en-US" dirty="0" smtClean="0"/>
+              <a:t>例</a:t>
+            </a:r>
+            <a:r>
+              <a:rPr lang="zh-CN" altLang="en-US" dirty="0" smtClean="0"/>
+              <a:t>：</a:t>
             </a:r>
             <a:endParaRPr lang="en-US" altLang="zh-CN" dirty="0" smtClean="0"/>
           </a:p>
@@ -10391,7 +10590,11 @@
             <a:pPr lvl="1"/>
             <a:r>
               <a:rPr lang="en-US" altLang="zh-CN" dirty="0" smtClean="0"/>
-              <a:t>sort  -k2  </a:t>
+              <a:t>sort  </a:t>
+            </a:r>
+            <a:r>
+              <a:rPr lang="en-US" altLang="zh-CN" dirty="0" smtClean="0"/>
+              <a:t>-k2  </a:t>
             </a:r>
             <a:r>
               <a:rPr lang="zh-CN" altLang="en-US" dirty="0" smtClean="0"/>
@@ -10428,7 +10631,7 @@
         </p:blipFill>
         <p:spPr>
           <a:xfrm>
-            <a:off x="1077634" y="2466337"/>
+            <a:off x="923848" y="2801617"/>
             <a:ext cx="10021520" cy="2975139"/>
           </a:xfrm>
           <a:prstGeom prst="rect">
@@ -10467,7 +10670,7 @@
                             </p:stCondLst>
                             <p:childTnLst>
                               <p:par>
-                                <p:cTn id="5" presetID="22" presetClass="entr" presetSubtype="8" fill="hold" nodeType="clickEffect">
+                                <p:cTn id="5" presetID="2" presetClass="entr" presetSubtype="4" fill="hold" nodeType="clickEffect">
                                   <p:stCondLst>
                                     <p:cond delay="0"/>
                                   </p:stCondLst>
@@ -10480,7 +10683,11 @@
                                           </p:stCondLst>
                                         </p:cTn>
                                         <p:tgtEl>
-                                          <p:spTgt spid="4"/>
+                                          <p:spTgt spid="3">
+                                            <p:txEl>
+                                              <p:pRg st="0" end="0"/>
+                                            </p:txEl>
+                                          </p:spTgt>
                                         </p:tgtEl>
                                         <p:attrNameLst>
                                           <p:attrName>style.visibility</p:attrName>
@@ -10490,14 +10697,60 @@
                                         <p:strVal val="visible"/>
                                       </p:to>
                                     </p:set>
-                                    <p:animEffect transition="in" filter="wipe(left)">
-                                      <p:cBhvr>
-                                        <p:cTn id="7" dur="500"/>
-                                        <p:tgtEl>
-                                          <p:spTgt spid="4"/>
-                                        </p:tgtEl>
-                                      </p:cBhvr>
-                                    </p:animEffect>
+                                    <p:anim calcmode="lin" valueType="num">
+                                      <p:cBhvr additive="base">
+                                        <p:cTn id="7" dur="500" fill="hold"/>
+                                        <p:tgtEl>
+                                          <p:spTgt spid="3">
+                                            <p:txEl>
+                                              <p:pRg st="0" end="0"/>
+                                            </p:txEl>
+                                          </p:spTgt>
+                                        </p:tgtEl>
+                                        <p:attrNameLst>
+                                          <p:attrName>ppt_x</p:attrName>
+                                        </p:attrNameLst>
+                                      </p:cBhvr>
+                                      <p:tavLst>
+                                        <p:tav tm="0">
+                                          <p:val>
+                                            <p:strVal val="#ppt_x"/>
+                                          </p:val>
+                                        </p:tav>
+                                        <p:tav tm="100000">
+                                          <p:val>
+                                            <p:strVal val="#ppt_x"/>
+                                          </p:val>
+                                        </p:tav>
+                                      </p:tavLst>
+                                    </p:anim>
+                                    <p:anim calcmode="lin" valueType="num">
+                                      <p:cBhvr additive="base">
+                                        <p:cTn id="8" dur="500" fill="hold"/>
+                                        <p:tgtEl>
+                                          <p:spTgt spid="3">
+                                            <p:txEl>
+                                              <p:pRg st="0" end="0"/>
+                                            </p:txEl>
+                                          </p:spTgt>
+                                        </p:tgtEl>
+                                        <p:attrNameLst>
+                                          <p:attrName>ppt_y</p:attrName>
+                                        </p:attrNameLst>
+                                      </p:cBhvr>
+                                      <p:tavLst>
+                                        <p:tav tm="0">
+                                          <p:val>
+                                            <p:strVal val="1+#ppt_h/2"/>
+                                          </p:val>
+                                        </p:tav>
+                                        <p:tav tm="100000">
+                                          <p:val>
+                                            <p:strVal val="#ppt_y"/>
+                                          </p:val>
+                                        </p:tav>
+                                      </p:tavLst>
+                                    </p:anim>
                                   </p:childTnLst>
                                 </p:cTn>
                               </p:par>
@@ -10508,26 +10761,26 @@
                     </p:cTn>
                   </p:par>
                   <p:par>
-                    <p:cTn id="8" fill="hold">
+                    <p:cTn id="9" fill="hold">
                       <p:stCondLst>
                         <p:cond delay="indefinite"/>
                       </p:stCondLst>
                       <p:childTnLst>
                         <p:par>
-                          <p:cTn id="9" fill="hold">
+                          <p:cTn id="10" fill="hold">
                             <p:stCondLst>
                               <p:cond delay="0"/>
                             </p:stCondLst>
                             <p:childTnLst>
                               <p:par>
-                                <p:cTn id="10" presetID="2" presetClass="entr" presetSubtype="4" fill="hold" nodeType="clickEffect">
+                                <p:cTn id="11" presetID="2" presetClass="entr" presetSubtype="4" fill="hold" nodeType="clickEffect">
                                   <p:stCondLst>
                                     <p:cond delay="0"/>
                                   </p:stCondLst>
                                   <p:childTnLst>
                                     <p:set>
                                       <p:cBhvr>
-                                        <p:cTn id="11" dur="1" fill="hold">
+                                        <p:cTn id="12" dur="1" fill="hold">
                                           <p:stCondLst>
                                             <p:cond delay="0"/>
                                           </p:stCondLst>
@@ -10535,7 +10788,7 @@
                                         <p:tgtEl>
                                           <p:spTgt spid="3">
                                             <p:txEl>
-                                              <p:pRg st="7" end="7"/>
+                                              <p:pRg st="1" end="1"/>
                                             </p:txEl>
                                           </p:spTgt>
                                         </p:tgtEl>
@@ -10549,11 +10802,11 @@
                                     </p:set>
                                     <p:anim calcmode="lin" valueType="num">
                                       <p:cBhvr additive="base">
-                                        <p:cTn id="12" dur="500" fill="hold"/>
+                                        <p:cTn id="13" dur="500" fill="hold"/>
                                         <p:tgtEl>
                                           <p:spTgt spid="3">
                                             <p:txEl>
-                                              <p:pRg st="7" end="7"/>
+                                              <p:pRg st="1" end="1"/>
                                             </p:txEl>
                                           </p:spTgt>
                                         </p:tgtEl>
@@ -10576,11 +10829,316 @@
                                     </p:anim>
                                     <p:anim calcmode="lin" valueType="num">
                                       <p:cBhvr additive="base">
-                                        <p:cTn id="13" dur="500" fill="hold"/>
+                                        <p:cTn id="14" dur="500" fill="hold"/>
                                         <p:tgtEl>
                                           <p:spTgt spid="3">
                                             <p:txEl>
-                                              <p:pRg st="7" end="7"/>
+                                              <p:pRg st="1" end="1"/>
+                                            </p:txEl>
+                                          </p:spTgt>
+                                        </p:tgtEl>
+                                        <p:attrNameLst>
+                                          <p:attrName>ppt_y</p:attrName>
+                                        </p:attrNameLst>
+                                      </p:cBhvr>
+                                      <p:tavLst>
+                                        <p:tav tm="0">
+                                          <p:val>
+                                            <p:strVal val="1+#ppt_h/2"/>
+                                          </p:val>
+                                        </p:tav>
+                                        <p:tav tm="100000">
+                                          <p:val>
+                                            <p:strVal val="#ppt_y"/>
+                                          </p:val>
+                                        </p:tav>
+                                      </p:tavLst>
+                                    </p:anim>
+                                  </p:childTnLst>
+                                </p:cTn>
+                              </p:par>
+                            </p:childTnLst>
+                          </p:cTn>
+                        </p:par>
+                      </p:childTnLst>
+                    </p:cTn>
+                  </p:par>
+                  <p:par>
+                    <p:cTn id="15" fill="hold">
+                      <p:stCondLst>
+                        <p:cond delay="indefinite"/>
+                      </p:stCondLst>
+                      <p:childTnLst>
+                        <p:par>
+                          <p:cTn id="16" fill="hold">
+                            <p:stCondLst>
+                              <p:cond delay="0"/>
+                            </p:stCondLst>
+                            <p:childTnLst>
+                              <p:par>
+                                <p:cTn id="17" presetID="2" presetClass="entr" presetSubtype="4" fill="hold" nodeType="clickEffect">
+                                  <p:stCondLst>
+                                    <p:cond delay="0"/>
+                                  </p:stCondLst>
+                                  <p:childTnLst>
+                                    <p:set>
+                                      <p:cBhvr>
+                                        <p:cTn id="18" dur="1" fill="hold">
+                                          <p:stCondLst>
+                                            <p:cond delay="0"/>
+                                          </p:stCondLst>
+                                        </p:cTn>
+                                        <p:tgtEl>
+                                          <p:spTgt spid="3">
+                                            <p:txEl>
+                                              <p:pRg st="2" end="2"/>
+                                            </p:txEl>
+                                          </p:spTgt>
+                                        </p:tgtEl>
+                                        <p:attrNameLst>
+                                          <p:attrName>style.visibility</p:attrName>
+                                        </p:attrNameLst>
+                                      </p:cBhvr>
+                                      <p:to>
+                                        <p:strVal val="visible"/>
+                                      </p:to>
+                                    </p:set>
+                                    <p:anim calcmode="lin" valueType="num">
+                                      <p:cBhvr additive="base">
+                                        <p:cTn id="19" dur="500" fill="hold"/>
+                                        <p:tgtEl>
+                                          <p:spTgt spid="3">
+                                            <p:txEl>
+                                              <p:pRg st="2" end="2"/>
+                                            </p:txEl>
+                                          </p:spTgt>
+                                        </p:tgtEl>
+                                        <p:attrNameLst>
+                                          <p:attrName>ppt_x</p:attrName>
+                                        </p:attrNameLst>
+                                      </p:cBhvr>
+                                      <p:tavLst>
+                                        <p:tav tm="0">
+                                          <p:val>
+                                            <p:strVal val="#ppt_x"/>
+                                          </p:val>
+                                        </p:tav>
+                                        <p:tav tm="100000">
+                                          <p:val>
+                                            <p:strVal val="#ppt_x"/>
+                                          </p:val>
+                                        </p:tav>
+                                      </p:tavLst>
+                                    </p:anim>
+                                    <p:anim calcmode="lin" valueType="num">
+                                      <p:cBhvr additive="base">
+                                        <p:cTn id="20" dur="500" fill="hold"/>
+                                        <p:tgtEl>
+                                          <p:spTgt spid="3">
+                                            <p:txEl>
+                                              <p:pRg st="2" end="2"/>
+                                            </p:txEl>
+                                          </p:spTgt>
+                                        </p:tgtEl>
+                                        <p:attrNameLst>
+                                          <p:attrName>ppt_y</p:attrName>
+                                        </p:attrNameLst>
+                                      </p:cBhvr>
+                                      <p:tavLst>
+                                        <p:tav tm="0">
+                                          <p:val>
+                                            <p:strVal val="1+#ppt_h/2"/>
+                                          </p:val>
+                                        </p:tav>
+                                        <p:tav tm="100000">
+                                          <p:val>
+                                            <p:strVal val="#ppt_y"/>
+                                          </p:val>
+                                        </p:tav>
+                                      </p:tavLst>
+                                    </p:anim>
+                                  </p:childTnLst>
+                                </p:cTn>
+                              </p:par>
+                            </p:childTnLst>
+                          </p:cTn>
+                        </p:par>
+                      </p:childTnLst>
+                    </p:cTn>
+                  </p:par>
+                  <p:par>
+                    <p:cTn id="21" fill="hold">
+                      <p:stCondLst>
+                        <p:cond delay="indefinite"/>
+                      </p:stCondLst>
+                      <p:childTnLst>
+                        <p:par>
+                          <p:cTn id="22" fill="hold">
+                            <p:stCondLst>
+                              <p:cond delay="0"/>
+                            </p:stCondLst>
+                            <p:childTnLst>
+                              <p:par>
+                                <p:cTn id="23" presetID="42" presetClass="entr" presetSubtype="0" fill="hold" nodeType="clickEffect">
+                                  <p:stCondLst>
+                                    <p:cond delay="0"/>
+                                  </p:stCondLst>
+                                  <p:childTnLst>
+                                    <p:set>
+                                      <p:cBhvr>
+                                        <p:cTn id="24" dur="1" fill="hold">
+                                          <p:stCondLst>
+                                            <p:cond delay="0"/>
+                                          </p:stCondLst>
+                                        </p:cTn>
+                                        <p:tgtEl>
+                                          <p:spTgt spid="4"/>
+                                        </p:tgtEl>
+                                        <p:attrNameLst>
+                                          <p:attrName>style.visibility</p:attrName>
+                                        </p:attrNameLst>
+                                      </p:cBhvr>
+                                      <p:to>
+                                        <p:strVal val="visible"/>
+                                      </p:to>
+                                    </p:set>
+                                    <p:animEffect transition="in" filter="fade">
+                                      <p:cBhvr>
+                                        <p:cTn id="25" dur="1000"/>
+                                        <p:tgtEl>
+                                          <p:spTgt spid="4"/>
+                                        </p:tgtEl>
+                                      </p:cBhvr>
+                                    </p:animEffect>
+                                    <p:anim calcmode="lin" valueType="num">
+                                      <p:cBhvr>
+                                        <p:cTn id="26" dur="1000" fill="hold"/>
+                                        <p:tgtEl>
+                                          <p:spTgt spid="4"/>
+                                        </p:tgtEl>
+                                        <p:attrNameLst>
+                                          <p:attrName>ppt_x</p:attrName>
+                                        </p:attrNameLst>
+                                      </p:cBhvr>
+                                      <p:tavLst>
+                                        <p:tav tm="0">
+                                          <p:val>
+                                            <p:strVal val="#ppt_x"/>
+                                          </p:val>
+                                        </p:tav>
+                                        <p:tav tm="100000">
+                                          <p:val>
+                                            <p:strVal val="#ppt_x"/>
+                                          </p:val>
+                                        </p:tav>
+                                      </p:tavLst>
+                                    </p:anim>
+                                    <p:anim calcmode="lin" valueType="num">
+                                      <p:cBhvr>
+                                        <p:cTn id="27" dur="1000" fill="hold"/>
+                                        <p:tgtEl>
+                                          <p:spTgt spid="4"/>
+                                        </p:tgtEl>
+                                        <p:attrNameLst>
+                                          <p:attrName>ppt_y</p:attrName>
+                                        </p:attrNameLst>
+                                      </p:cBhvr>
+                                      <p:tavLst>
+                                        <p:tav tm="0">
+                                          <p:val>
+                                            <p:strVal val="#ppt_y+.1"/>
+                                          </p:val>
+                                        </p:tav>
+                                        <p:tav tm="100000">
+                                          <p:val>
+                                            <p:strVal val="#ppt_y"/>
+                                          </p:val>
+                                        </p:tav>
+                                      </p:tavLst>
+                                    </p:anim>
+                                  </p:childTnLst>
+                                </p:cTn>
+                              </p:par>
+                            </p:childTnLst>
+                          </p:cTn>
+                        </p:par>
+                      </p:childTnLst>
+                    </p:cTn>
+                  </p:par>
+                  <p:par>
+                    <p:cTn id="28" fill="hold">
+                      <p:stCondLst>
+                        <p:cond delay="indefinite"/>
+                      </p:stCondLst>
+                      <p:childTnLst>
+                        <p:par>
+                          <p:cTn id="29" fill="hold">
+                            <p:stCondLst>
+                              <p:cond delay="0"/>
+                            </p:stCondLst>
+                            <p:childTnLst>
+                              <p:par>
+                                <p:cTn id="30" presetID="2" presetClass="entr" presetSubtype="4" fill="hold" nodeType="clickEffect">
+                                  <p:stCondLst>
+                                    <p:cond delay="0"/>
+                                  </p:stCondLst>
+                                  <p:childTnLst>
+                                    <p:set>
+                                      <p:cBhvr>
+                                        <p:cTn id="31" dur="1" fill="hold">
+                                          <p:stCondLst>
+                                            <p:cond delay="0"/>
+                                          </p:stCondLst>
+                                        </p:cTn>
+                                        <p:tgtEl>
+                                          <p:spTgt spid="3">
+                                            <p:txEl>
+                                              <p:pRg st="8" end="8"/>
+                                            </p:txEl>
+                                          </p:spTgt>
+                                        </p:tgtEl>
+                                        <p:attrNameLst>
+                                          <p:attrName>style.visibility</p:attrName>
+                                        </p:attrNameLst>
+                                      </p:cBhvr>
+                                      <p:to>
+                                        <p:strVal val="visible"/>
+                                      </p:to>
+                                    </p:set>
+                                    <p:anim calcmode="lin" valueType="num">
+                                      <p:cBhvr additive="base">
+                                        <p:cTn id="32" dur="500" fill="hold"/>
+                                        <p:tgtEl>
+                                          <p:spTgt spid="3">
+                                            <p:txEl>
+                                              <p:pRg st="8" end="8"/>
+                                            </p:txEl>
+                                          </p:spTgt>
+                                        </p:tgtEl>
+                                        <p:attrNameLst>
+                                          <p:attrName>ppt_x</p:attrName>
+                                        </p:attrNameLst>
+                                      </p:cBhvr>
+                                      <p:tavLst>
+                                        <p:tav tm="0">
+                                          <p:val>
+                                            <p:strVal val="#ppt_x"/>
+                                          </p:val>
+                                        </p:tav>
+                                        <p:tav tm="100000">
+                                          <p:val>
+                                            <p:strVal val="#ppt_x"/>
+                                          </p:val>
+                                        </p:tav>
+                                      </p:tavLst>
+                                    </p:anim>
+                                    <p:anim calcmode="lin" valueType="num">
+                                      <p:cBhvr additive="base">
+                                        <p:cTn id="33" dur="500" fill="hold"/>
+                                        <p:tgtEl>
+                                          <p:spTgt spid="3">
+                                            <p:txEl>
+                                              <p:pRg st="8" end="8"/>
                                             </p:txEl>
                                           </p:spTgt>
                                         </p:tgtEl>
@@ -12461,8 +13019,8 @@
         </p:blipFill>
         <p:spPr>
           <a:xfrm>
-            <a:off x="1186656" y="3361796"/>
-            <a:ext cx="10331236" cy="1088283"/>
+            <a:off x="759936" y="3392276"/>
+            <a:ext cx="10765272" cy="1134004"/>
           </a:xfrm>
           <a:prstGeom prst="rect">
             <a:avLst/>
@@ -13901,12 +14459,8 @@
               <a:t>-c </a:t>
             </a:r>
             <a:r>
-              <a:rPr lang="zh-CN" altLang="en-US" dirty="0"/>
-              <a:t>统计字节</a:t>
-            </a:r>
-            <a:r>
               <a:rPr lang="zh-CN" altLang="en-US" dirty="0" smtClean="0"/>
-              <a:t>数</a:t>
+              <a:t>统计字符数</a:t>
             </a:r>
             <a:endParaRPr lang="zh-CN" altLang="en-US" sz="6600" dirty="0"/>
           </a:p>
@@ -19556,7 +20110,7 @@
       </p:sp>
       <p:pic>
         <p:nvPicPr>
-          <p:cNvPr id="4" name="图片 3"/>
+          <p:cNvPr id="5" name="图片 4"/>
           <p:cNvPicPr>
             <a:picLocks noChangeAspect="1"/>
           </p:cNvPicPr>
@@ -19570,8 +20124,8 @@
         </p:blipFill>
         <p:spPr>
           <a:xfrm>
-            <a:off x="733420" y="3632768"/>
-            <a:ext cx="10905878" cy="744233"/>
+            <a:off x="686026" y="3256746"/>
+            <a:ext cx="10986628" cy="1052017"/>
           </a:xfrm>
           <a:prstGeom prst="rect">
             <a:avLst/>
@@ -19896,59 +20450,6 @@
                                         </p:tav>
                                       </p:tavLst>
                                     </p:anim>
-                                  </p:childTnLst>
-                                </p:cTn>
-                              </p:par>
-                            </p:childTnLst>
-                          </p:cTn>
-                        </p:par>
-                      </p:childTnLst>
-                    </p:cTn>
-                  </p:par>
-                  <p:par>
-                    <p:cTn id="21" fill="hold">
-                      <p:stCondLst>
-                        <p:cond delay="indefinite"/>
-                      </p:stCondLst>
-                      <p:childTnLst>
-                        <p:par>
-                          <p:cTn id="22" fill="hold">
-                            <p:stCondLst>
-                              <p:cond delay="0"/>
-                            </p:stCondLst>
-                            <p:childTnLst>
-                              <p:par>
-                                <p:cTn id="23" presetID="22" presetClass="entr" presetSubtype="8" fill="hold" nodeType="clickEffect">
-                                  <p:stCondLst>
-                                    <p:cond delay="0"/>
-                                  </p:stCondLst>
-                                  <p:childTnLst>
-                                    <p:set>
-                                      <p:cBhvr>
-                                        <p:cTn id="24" dur="1" fill="hold">
-                                          <p:stCondLst>
-                                            <p:cond delay="0"/>
-                                          </p:stCondLst>
-                                        </p:cTn>
-                                        <p:tgtEl>
-                                          <p:spTgt spid="4"/>
-                                        </p:tgtEl>
-                                        <p:attrNameLst>
-                                          <p:attrName>style.visibility</p:attrName>
-                                        </p:attrNameLst>
-                                      </p:cBhvr>
-                                      <p:to>
-                                        <p:strVal val="visible"/>
-                                      </p:to>
-                                    </p:set>
-                                    <p:animEffect transition="in" filter="wipe(left)">
-                                      <p:cBhvr>
-                                        <p:cTn id="25" dur="500"/>
-                                        <p:tgtEl>
-                                          <p:spTgt spid="4"/>
-                                        </p:tgtEl>
-                                      </p:cBhvr>
-                                    </p:animEffect>
                                   </p:childTnLst>
                                 </p:cTn>
                               </p:par>
@@ -20071,27 +20572,51 @@
             </a:r>
             <a:r>
               <a:rPr lang="en-US" altLang="zh-CN" dirty="0" smtClean="0"/>
-              <a:t>echo –e  1 </a:t>
-            </a:r>
-            <a:r>
-              <a:rPr lang="en-US" altLang="zh-CN" smtClean="0"/>
-              <a:t>apple  </a:t>
-            </a:r>
-            <a:r>
-              <a:rPr lang="en-US" altLang="zh-CN" smtClean="0"/>
-              <a:t>2 </a:t>
-            </a:r>
-            <a:r>
-              <a:rPr lang="en-US" altLang="zh-CN" smtClean="0"/>
-              <a:t>pear </a:t>
-            </a:r>
-            <a:r>
-              <a:rPr lang="en-US" altLang="zh-CN" smtClean="0">
+              <a:t>echo –e  1 apple  </a:t>
+            </a:r>
+            <a:r>
+              <a:rPr lang="en-US" altLang="zh-CN" dirty="0" smtClean="0">
                 <a:solidFill>
                   <a:srgbClr val="FF0000"/>
                 </a:solidFill>
               </a:rPr>
+              <a:t>“\n” </a:t>
+            </a:r>
+            <a:r>
+              <a:rPr lang="en-US" altLang="zh-CN" dirty="0" smtClean="0"/>
               <a:t> </a:t>
+            </a:r>
+            <a:r>
+              <a:rPr lang="en-US" altLang="zh-CN" dirty="0" smtClean="0"/>
+              <a:t>2 pear </a:t>
+            </a:r>
+            <a:r>
+              <a:rPr lang="en-US" altLang="zh-CN" dirty="0" smtClean="0"/>
+              <a:t> </a:t>
+            </a:r>
+            <a:r>
+              <a:rPr lang="en-US" altLang="zh-CN" dirty="0" smtClean="0">
+                <a:solidFill>
+                  <a:srgbClr val="FF0000"/>
+                </a:solidFill>
+              </a:rPr>
+              <a:t>“\</a:t>
+            </a:r>
+            <a:r>
+              <a:rPr lang="en-US" altLang="zh-CN" dirty="0" smtClean="0">
+                <a:solidFill>
+                  <a:srgbClr val="FF0000"/>
+                </a:solidFill>
+              </a:rPr>
+              <a:t>n </a:t>
+            </a:r>
+            <a:r>
+              <a:rPr lang="en-US" altLang="zh-CN" dirty="0" smtClean="0">
+                <a:solidFill>
+                  <a:srgbClr val="FF0000"/>
+                </a:solidFill>
+              </a:rPr>
+              <a:t>”</a:t>
             </a:r>
             <a:r>
               <a:rPr lang="en-US" altLang="zh-CN" dirty="0" smtClean="0">
@@ -20133,6 +20658,34 @@
               <a:t>代表输出转义字符</a:t>
             </a:r>
             <a:endParaRPr lang="en-US" altLang="zh-CN" dirty="0" smtClean="0"/>
+          </a:p>
+          <a:p>
+            <a:pPr lvl="1"/>
+            <a:r>
+              <a:rPr lang="en-US" altLang="zh-CN" dirty="0" smtClean="0"/>
+              <a:t>-</a:t>
+            </a:r>
+            <a:r>
+              <a:rPr lang="en-US" altLang="zh-CN" dirty="0" smtClean="0">
+                <a:solidFill>
+                  <a:srgbClr val="FF0000"/>
+                </a:solidFill>
+              </a:rPr>
+              <a:t>N   </a:t>
+            </a:r>
+            <a:r>
+              <a:rPr lang="zh-CN" altLang="en-US" dirty="0" smtClean="0">
+                <a:solidFill>
+                  <a:srgbClr val="FF0000"/>
+                </a:solidFill>
+              </a:rPr>
+              <a:t>代表输出回车换行键（有问题）</a:t>
+            </a:r>
+            <a:endParaRPr lang="en-US" altLang="zh-CN" dirty="0" smtClean="0">
+              <a:solidFill>
+                <a:srgbClr val="FF0000"/>
+              </a:solidFill>
+            </a:endParaRPr>
           </a:p>
           <a:p>
             <a:pPr lvl="1"/>
@@ -20310,7 +20863,7 @@
           <p:nvPr/>
         </p:nvPicPr>
         <p:blipFill>
-          <a:blip r:embed="rId2"/>
+          <a:blip r:embed="rId3"/>
           <a:stretch>
             <a:fillRect/>
           </a:stretch>
@@ -21047,7 +21600,7 @@
         <a:sysClr val="windowText" lastClr="000000"/>
       </a:dk1>
       <a:lt1>
-        <a:sysClr val="window" lastClr="CCE8CF"/>
+        <a:sysClr val="window" lastClr="FFFFFF"/>
       </a:lt1>
       <a:dk2>
         <a:srgbClr val="766F54"/>
@@ -21276,7 +21829,7 @@
   <a:extraClrSchemeLst/>
   <a:extLst>
     <a:ext uri="{05A4C25C-085E-4340-85A3-A5531E510DB2}">
-      <thm15:themeFamily xmlns:thm15="http://schemas.microsoft.com/office/thememl/2012/main" xmlns="" name="Wisp" id="{7CB32D59-10C0-40DD-B7BD-2E94284A981C}" vid="{24B1A44C-C006-48B2-A4D7-E5549B3D8CD4}"/>
+      <thm15:themeFamily xmlns:thm15="http://schemas.microsoft.com/office/thememl/2012/main" name="Wisp" id="{7CB32D59-10C0-40DD-B7BD-2E94284A981C}" vid="{24B1A44C-C006-48B2-A4D7-E5549B3D8CD4}"/>
     </a:ext>
   </a:extLst>
 </a:theme>
@@ -21290,7 +21843,7 @@
         <a:sysClr val="windowText" lastClr="000000"/>
       </a:dk1>
       <a:lt1>
-        <a:sysClr val="window" lastClr="CCE8CF"/>
+        <a:sysClr val="window" lastClr="FFFFFF"/>
       </a:lt1>
       <a:dk2>
         <a:srgbClr val="44546A"/>
@@ -21537,7 +22090,7 @@
   <a:extraClrSchemeLst/>
   <a:extLst>
     <a:ext uri="{05A4C25C-085E-4340-85A3-A5531E510DB2}">
-      <thm15:themeFamily xmlns:thm15="http://schemas.microsoft.com/office/thememl/2012/main" xmlns="" name="Office Theme" id="{62F939B6-93AF-4DB8-9C6B-D6C7DFDC589F}" vid="{4A3C46E8-61CC-4603-A589-7422A47A8E4A}"/>
+      <thm15:themeFamily xmlns:thm15="http://schemas.microsoft.com/office/thememl/2012/main" name="Office Theme" id="{62F939B6-93AF-4DB8-9C6B-D6C7DFDC589F}" vid="{4A3C46E8-61CC-4603-A589-7422A47A8E4A}"/>
     </a:ext>
   </a:extLst>
 </a:theme>
